--- a/Class_Notes(ppt)/Session1,2,3.pptx
+++ b/Class_Notes(ppt)/Session1,2,3.pptx
@@ -149,7 +149,7 @@
   </p:defaultTextStyle>
   <p:extLst>
     <p:ext uri="{EFAFB233-063F-42B5-8137-9DF3F51BA10A}">
-      <p15:sldGuideLst xmlns="" xmlns:p15="http://schemas.microsoft.com/office/powerpoint/2012/main">
+      <p15:sldGuideLst xmlns:p15="http://schemas.microsoft.com/office/powerpoint/2012/main">
         <p15:guide id="1" orient="horz" pos="2160">
           <p15:clr>
             <a:srgbClr val="A4A3A4"/>
@@ -248,8 +248,7 @@
           <a:p>
             <a:fld id="{5CC159D2-BF47-427F-8438-CBE2337DB126}" type="datetimeFigureOut">
               <a:rPr lang="en-US" smtClean="0"/>
-              <a:pPr/>
-              <a:t>9/8/2019</a:t>
+              <a:t>8/18/2017</a:t>
             </a:fld>
             <a:endParaRPr lang="en-US"/>
           </a:p>
@@ -408,7 +407,6 @@
           <a:p>
             <a:fld id="{4D2E11AF-6D15-44AE-99F0-834A939C8023}" type="slidenum">
               <a:rPr lang="en-US" smtClean="0"/>
-              <a:pPr/>
               <a:t>‹#›</a:t>
             </a:fld>
             <a:endParaRPr lang="en-US"/>
@@ -418,7 +416,7 @@
     </p:spTree>
     <p:extLst>
       <p:ext uri="{BB962C8B-B14F-4D97-AF65-F5344CB8AC3E}">
-        <p14:creationId xmlns="" xmlns:p14="http://schemas.microsoft.com/office/powerpoint/2010/main" val="2832048275"/>
+        <p14:creationId xmlns:p14="http://schemas.microsoft.com/office/powerpoint/2010/main" val="2832048275"/>
       </p:ext>
     </p:extLst>
   </p:cSld>
@@ -583,7 +581,6 @@
           <a:p>
             <a:fld id="{4D2E11AF-6D15-44AE-99F0-834A939C8023}" type="slidenum">
               <a:rPr lang="en-US" smtClean="0"/>
-              <a:pPr/>
               <a:t>8</a:t>
             </a:fld>
             <a:endParaRPr lang="en-US"/>
@@ -593,7 +590,7 @@
     </p:spTree>
     <p:extLst>
       <p:ext uri="{BB962C8B-B14F-4D97-AF65-F5344CB8AC3E}">
-        <p14:creationId xmlns="" xmlns:p14="http://schemas.microsoft.com/office/powerpoint/2010/main" val="1935796792"/>
+        <p14:creationId xmlns:p14="http://schemas.microsoft.com/office/powerpoint/2010/main" val="1935796792"/>
       </p:ext>
     </p:extLst>
   </p:cSld>
@@ -863,7 +860,6 @@
           <a:p>
             <a:fld id="{4D2E11AF-6D15-44AE-99F0-834A939C8023}" type="slidenum">
               <a:rPr lang="en-US" smtClean="0"/>
-              <a:pPr/>
               <a:t>10</a:t>
             </a:fld>
             <a:endParaRPr lang="en-US"/>
@@ -873,7 +869,7 @@
     </p:spTree>
     <p:extLst>
       <p:ext uri="{BB962C8B-B14F-4D97-AF65-F5344CB8AC3E}">
-        <p14:creationId xmlns="" xmlns:p14="http://schemas.microsoft.com/office/powerpoint/2010/main" val="2776272099"/>
+        <p14:creationId xmlns:p14="http://schemas.microsoft.com/office/powerpoint/2010/main" val="2776272099"/>
       </p:ext>
     </p:extLst>
   </p:cSld>
@@ -948,7 +944,6 @@
           <a:p>
             <a:fld id="{4D2E11AF-6D15-44AE-99F0-834A939C8023}" type="slidenum">
               <a:rPr lang="en-US" smtClean="0"/>
-              <a:pPr/>
               <a:t>22</a:t>
             </a:fld>
             <a:endParaRPr lang="en-US"/>
@@ -958,7 +953,7 @@
     </p:spTree>
     <p:extLst>
       <p:ext uri="{BB962C8B-B14F-4D97-AF65-F5344CB8AC3E}">
-        <p14:creationId xmlns="" xmlns:p14="http://schemas.microsoft.com/office/powerpoint/2010/main" val="2110769056"/>
+        <p14:creationId xmlns:p14="http://schemas.microsoft.com/office/powerpoint/2010/main" val="2110769056"/>
       </p:ext>
     </p:extLst>
   </p:cSld>
@@ -1092,7 +1087,6 @@
           <a:p>
             <a:fld id="{4D2E11AF-6D15-44AE-99F0-834A939C8023}" type="slidenum">
               <a:rPr lang="en-US" smtClean="0"/>
-              <a:pPr/>
               <a:t>26</a:t>
             </a:fld>
             <a:endParaRPr lang="en-US"/>
@@ -1102,7 +1096,7 @@
     </p:spTree>
     <p:extLst>
       <p:ext uri="{BB962C8B-B14F-4D97-AF65-F5344CB8AC3E}">
-        <p14:creationId xmlns="" xmlns:p14="http://schemas.microsoft.com/office/powerpoint/2010/main" val="3906259662"/>
+        <p14:creationId xmlns:p14="http://schemas.microsoft.com/office/powerpoint/2010/main" val="3906259662"/>
       </p:ext>
     </p:extLst>
   </p:cSld>
@@ -1301,7 +1295,7 @@
             <a:fld id="{1D8BD707-D9CF-40AE-B4C6-C98DA3205C09}" type="datetimeFigureOut">
               <a:rPr lang="en-US" smtClean="0"/>
               <a:pPr/>
-              <a:t>9/8/2019</a:t>
+              <a:t>8/18/2017</a:t>
             </a:fld>
             <a:endParaRPr lang="en-US"/>
           </a:p>
@@ -1503,7 +1497,7 @@
             <a:fld id="{1D8BD707-D9CF-40AE-B4C6-C98DA3205C09}" type="datetimeFigureOut">
               <a:rPr lang="en-US" smtClean="0"/>
               <a:pPr/>
-              <a:t>9/8/2019</a:t>
+              <a:t>8/18/2017</a:t>
             </a:fld>
             <a:endParaRPr lang="en-US"/>
           </a:p>
@@ -1680,7 +1674,7 @@
             <a:fld id="{1D8BD707-D9CF-40AE-B4C6-C98DA3205C09}" type="datetimeFigureOut">
               <a:rPr lang="en-US" smtClean="0"/>
               <a:pPr/>
-              <a:t>9/8/2019</a:t>
+              <a:t>8/18/2017</a:t>
             </a:fld>
             <a:endParaRPr lang="en-US"/>
           </a:p>
@@ -1847,7 +1841,7 @@
             <a:fld id="{1D8BD707-D9CF-40AE-B4C6-C98DA3205C09}" type="datetimeFigureOut">
               <a:rPr lang="en-US" smtClean="0"/>
               <a:pPr/>
-              <a:t>9/8/2019</a:t>
+              <a:t>8/18/2017</a:t>
             </a:fld>
             <a:endParaRPr lang="en-US"/>
           </a:p>
@@ -2097,7 +2091,7 @@
             <a:fld id="{1D8BD707-D9CF-40AE-B4C6-C98DA3205C09}" type="datetimeFigureOut">
               <a:rPr lang="en-US" smtClean="0"/>
               <a:pPr/>
-              <a:t>9/8/2019</a:t>
+              <a:t>8/18/2017</a:t>
             </a:fld>
             <a:endParaRPr lang="en-US"/>
           </a:p>
@@ -2417,7 +2411,7 @@
             <a:fld id="{1D8BD707-D9CF-40AE-B4C6-C98DA3205C09}" type="datetimeFigureOut">
               <a:rPr lang="en-US" smtClean="0"/>
               <a:pPr/>
-              <a:t>9/8/2019</a:t>
+              <a:t>8/18/2017</a:t>
             </a:fld>
             <a:endParaRPr lang="en-US"/>
           </a:p>
@@ -2885,7 +2879,7 @@
             <a:fld id="{1D8BD707-D9CF-40AE-B4C6-C98DA3205C09}" type="datetimeFigureOut">
               <a:rPr lang="en-US" smtClean="0"/>
               <a:pPr/>
-              <a:t>9/8/2019</a:t>
+              <a:t>8/18/2017</a:t>
             </a:fld>
             <a:endParaRPr lang="en-US"/>
           </a:p>
@@ -3035,7 +3029,7 @@
             <a:fld id="{1D8BD707-D9CF-40AE-B4C6-C98DA3205C09}" type="datetimeFigureOut">
               <a:rPr lang="en-US" smtClean="0"/>
               <a:pPr/>
-              <a:t>9/8/2019</a:t>
+              <a:t>8/18/2017</a:t>
             </a:fld>
             <a:endParaRPr lang="en-US"/>
           </a:p>
@@ -3127,7 +3121,7 @@
             <a:fld id="{1D8BD707-D9CF-40AE-B4C6-C98DA3205C09}" type="datetimeFigureOut">
               <a:rPr lang="en-US" smtClean="0"/>
               <a:pPr/>
-              <a:t>9/8/2019</a:t>
+              <a:t>8/18/2017</a:t>
             </a:fld>
             <a:endParaRPr lang="en-US"/>
           </a:p>
@@ -3403,7 +3397,7 @@
             <a:fld id="{1D8BD707-D9CF-40AE-B4C6-C98DA3205C09}" type="datetimeFigureOut">
               <a:rPr lang="en-US" smtClean="0"/>
               <a:pPr/>
-              <a:t>9/8/2019</a:t>
+              <a:t>8/18/2017</a:t>
             </a:fld>
             <a:endParaRPr lang="en-US"/>
           </a:p>
@@ -3710,7 +3704,7 @@
             <a:fld id="{1D8BD707-D9CF-40AE-B4C6-C98DA3205C09}" type="datetimeFigureOut">
               <a:rPr lang="en-US" smtClean="0"/>
               <a:pPr/>
-              <a:t>9/8/2019</a:t>
+              <a:t>8/18/2017</a:t>
             </a:fld>
             <a:endParaRPr lang="en-US"/>
           </a:p>
@@ -4010,7 +4004,7 @@
             <a:fld id="{1D8BD707-D9CF-40AE-B4C6-C98DA3205C09}" type="datetimeFigureOut">
               <a:rPr lang="en-US" smtClean="0"/>
               <a:pPr/>
-              <a:t>9/8/2019</a:t>
+              <a:t>8/18/2017</a:t>
             </a:fld>
             <a:endParaRPr lang="en-US"/>
           </a:p>
@@ -4454,7 +4448,11 @@
           <a:p>
             <a:r>
               <a:rPr lang="en-US" dirty="0" smtClean="0"/>
-              <a:t>Monit Kapoor</a:t>
+              <a:t>Monit </a:t>
+            </a:r>
+            <a:r>
+              <a:rPr lang="en-US" dirty="0" smtClean="0"/>
+              <a:t>Kapoor</a:t>
             </a:r>
           </a:p>
           <a:p>
@@ -4469,7 +4467,7 @@
     </p:spTree>
     <p:extLst>
       <p:ext uri="{BB962C8B-B14F-4D97-AF65-F5344CB8AC3E}">
-        <p14:creationId xmlns="" xmlns:p14="http://schemas.microsoft.com/office/powerpoint/2010/main" val="3057961298"/>
+        <p14:creationId xmlns:p14="http://schemas.microsoft.com/office/powerpoint/2010/main" val="3057961298"/>
       </p:ext>
     </p:extLst>
   </p:cSld>
@@ -4572,7 +4570,7 @@
           <a:blip r:embed="rId3">
             <a:extLst>
               <a:ext uri="{28A0092B-C50C-407E-A947-70E740481C1C}">
-                <a14:useLocalDpi xmlns="" xmlns:a14="http://schemas.microsoft.com/office/drawing/2010/main" val="0"/>
+                <a14:useLocalDpi xmlns:a14="http://schemas.microsoft.com/office/drawing/2010/main" val="0"/>
               </a:ext>
             </a:extLst>
           </a:blip>
@@ -4595,14 +4593,14 @@
           </a:ln>
           <a:extLst>
             <a:ext uri="{909E8E84-426E-40DD-AFC4-6F175D3DCCD1}">
-              <a14:hiddenFill xmlns="" xmlns:a14="http://schemas.microsoft.com/office/drawing/2010/main">
+              <a14:hiddenFill xmlns:a14="http://schemas.microsoft.com/office/drawing/2010/main">
                 <a:solidFill>
                   <a:schemeClr val="accent1"/>
                 </a:solidFill>
               </a14:hiddenFill>
             </a:ext>
             <a:ext uri="{91240B29-F687-4F45-9708-019B960494DF}">
-              <a14:hiddenLine xmlns="" xmlns:a14="http://schemas.microsoft.com/office/drawing/2010/main" w="9525">
+              <a14:hiddenLine xmlns:a14="http://schemas.microsoft.com/office/drawing/2010/main" w="9525">
                 <a:solidFill>
                   <a:schemeClr val="tx1"/>
                 </a:solidFill>
@@ -4617,7 +4615,7 @@
     </p:spTree>
     <p:extLst>
       <p:ext uri="{BB962C8B-B14F-4D97-AF65-F5344CB8AC3E}">
-        <p14:creationId xmlns="" xmlns:p14="http://schemas.microsoft.com/office/powerpoint/2010/main" val="2602333936"/>
+        <p14:creationId xmlns:p14="http://schemas.microsoft.com/office/powerpoint/2010/main" val="2602333936"/>
       </p:ext>
     </p:extLst>
   </p:cSld>
@@ -4751,7 +4749,7 @@
     </p:spTree>
     <p:extLst>
       <p:ext uri="{BB962C8B-B14F-4D97-AF65-F5344CB8AC3E}">
-        <p14:creationId xmlns="" xmlns:p14="http://schemas.microsoft.com/office/powerpoint/2010/main" val="1119495156"/>
+        <p14:creationId xmlns:p14="http://schemas.microsoft.com/office/powerpoint/2010/main" val="1119495156"/>
       </p:ext>
     </p:extLst>
   </p:cSld>
@@ -4845,7 +4843,7 @@
           <a:blip r:embed="rId2">
             <a:extLst>
               <a:ext uri="{28A0092B-C50C-407E-A947-70E740481C1C}">
-                <a14:useLocalDpi xmlns="" xmlns:a14="http://schemas.microsoft.com/office/drawing/2010/main" val="0"/>
+                <a14:useLocalDpi xmlns:a14="http://schemas.microsoft.com/office/drawing/2010/main" val="0"/>
               </a:ext>
             </a:extLst>
           </a:blip>
@@ -4868,14 +4866,14 @@
           </a:ln>
           <a:extLst>
             <a:ext uri="{909E8E84-426E-40DD-AFC4-6F175D3DCCD1}">
-              <a14:hiddenFill xmlns="" xmlns:a14="http://schemas.microsoft.com/office/drawing/2010/main">
+              <a14:hiddenFill xmlns:a14="http://schemas.microsoft.com/office/drawing/2010/main">
                 <a:solidFill>
                   <a:schemeClr val="accent1"/>
                 </a:solidFill>
               </a14:hiddenFill>
             </a:ext>
             <a:ext uri="{91240B29-F687-4F45-9708-019B960494DF}">
-              <a14:hiddenLine xmlns="" xmlns:a14="http://schemas.microsoft.com/office/drawing/2010/main" w="9525">
+              <a14:hiddenLine xmlns:a14="http://schemas.microsoft.com/office/drawing/2010/main" w="9525">
                 <a:solidFill>
                   <a:schemeClr val="tx1"/>
                 </a:solidFill>
@@ -4899,7 +4897,7 @@
           <a:blip r:embed="rId3">
             <a:extLst>
               <a:ext uri="{28A0092B-C50C-407E-A947-70E740481C1C}">
-                <a14:useLocalDpi xmlns="" xmlns:a14="http://schemas.microsoft.com/office/drawing/2010/main" val="0"/>
+                <a14:useLocalDpi xmlns:a14="http://schemas.microsoft.com/office/drawing/2010/main" val="0"/>
               </a:ext>
             </a:extLst>
           </a:blip>
@@ -4922,14 +4920,14 @@
           </a:ln>
           <a:extLst>
             <a:ext uri="{909E8E84-426E-40DD-AFC4-6F175D3DCCD1}">
-              <a14:hiddenFill xmlns="" xmlns:a14="http://schemas.microsoft.com/office/drawing/2010/main">
+              <a14:hiddenFill xmlns:a14="http://schemas.microsoft.com/office/drawing/2010/main">
                 <a:solidFill>
                   <a:schemeClr val="accent1"/>
                 </a:solidFill>
               </a14:hiddenFill>
             </a:ext>
             <a:ext uri="{91240B29-F687-4F45-9708-019B960494DF}">
-              <a14:hiddenLine xmlns="" xmlns:a14="http://schemas.microsoft.com/office/drawing/2010/main" w="9525">
+              <a14:hiddenLine xmlns:a14="http://schemas.microsoft.com/office/drawing/2010/main" w="9525">
                 <a:solidFill>
                   <a:schemeClr val="tx1"/>
                 </a:solidFill>
@@ -4944,7 +4942,7 @@
     </p:spTree>
     <p:extLst>
       <p:ext uri="{BB962C8B-B14F-4D97-AF65-F5344CB8AC3E}">
-        <p14:creationId xmlns="" xmlns:p14="http://schemas.microsoft.com/office/powerpoint/2010/main" val="1858518353"/>
+        <p14:creationId xmlns:p14="http://schemas.microsoft.com/office/powerpoint/2010/main" val="1858518353"/>
       </p:ext>
     </p:extLst>
   </p:cSld>
@@ -5410,7 +5408,11 @@
             </a:r>
             <a:r>
               <a:rPr lang="en-US" sz="2000" dirty="0" smtClean="0"/>
-              <a:t>the (E)FLAGS register</a:t>
+              <a:t>the (E)FLAGS </a:t>
+            </a:r>
+            <a:r>
+              <a:rPr lang="en-US" sz="2000" dirty="0" err="1"/>
+              <a:t>registe</a:t>
             </a:r>
             <a:endParaRPr lang="en-US" sz="2000" dirty="0"/>
           </a:p>
@@ -5419,7 +5421,7 @@
     </p:spTree>
     <p:extLst>
       <p:ext uri="{BB962C8B-B14F-4D97-AF65-F5344CB8AC3E}">
-        <p14:creationId xmlns="" xmlns:p14="http://schemas.microsoft.com/office/powerpoint/2010/main" val="206792316"/>
+        <p14:creationId xmlns:p14="http://schemas.microsoft.com/office/powerpoint/2010/main" val="206792316"/>
       </p:ext>
     </p:extLst>
   </p:cSld>
@@ -5507,7 +5509,7 @@
           <a:blip r:embed="rId2">
             <a:extLst>
               <a:ext uri="{28A0092B-C50C-407E-A947-70E740481C1C}">
-                <a14:useLocalDpi xmlns="" xmlns:a14="http://schemas.microsoft.com/office/drawing/2010/main" val="0"/>
+                <a14:useLocalDpi xmlns:a14="http://schemas.microsoft.com/office/drawing/2010/main" val="0"/>
               </a:ext>
             </a:extLst>
           </a:blip>
@@ -5530,14 +5532,14 @@
           </a:ln>
           <a:extLst>
             <a:ext uri="{909E8E84-426E-40DD-AFC4-6F175D3DCCD1}">
-              <a14:hiddenFill xmlns="" xmlns:a14="http://schemas.microsoft.com/office/drawing/2010/main">
+              <a14:hiddenFill xmlns:a14="http://schemas.microsoft.com/office/drawing/2010/main">
                 <a:solidFill>
                   <a:schemeClr val="accent1"/>
                 </a:solidFill>
               </a14:hiddenFill>
             </a:ext>
             <a:ext uri="{91240B29-F687-4F45-9708-019B960494DF}">
-              <a14:hiddenLine xmlns="" xmlns:a14="http://schemas.microsoft.com/office/drawing/2010/main" w="9525">
+              <a14:hiddenLine xmlns:a14="http://schemas.microsoft.com/office/drawing/2010/main" w="9525">
                 <a:solidFill>
                   <a:schemeClr val="tx1"/>
                 </a:solidFill>
@@ -5552,7 +5554,7 @@
     </p:spTree>
     <p:extLst>
       <p:ext uri="{BB962C8B-B14F-4D97-AF65-F5344CB8AC3E}">
-        <p14:creationId xmlns="" xmlns:p14="http://schemas.microsoft.com/office/powerpoint/2010/main" val="122018598"/>
+        <p14:creationId xmlns:p14="http://schemas.microsoft.com/office/powerpoint/2010/main" val="122018598"/>
       </p:ext>
     </p:extLst>
   </p:cSld>
@@ -5640,7 +5642,7 @@
           <a:blip r:embed="rId2">
             <a:extLst>
               <a:ext uri="{28A0092B-C50C-407E-A947-70E740481C1C}">
-                <a14:useLocalDpi xmlns="" xmlns:a14="http://schemas.microsoft.com/office/drawing/2010/main" val="0"/>
+                <a14:useLocalDpi xmlns:a14="http://schemas.microsoft.com/office/drawing/2010/main" val="0"/>
               </a:ext>
             </a:extLst>
           </a:blip>
@@ -5663,14 +5665,14 @@
           </a:ln>
           <a:extLst>
             <a:ext uri="{909E8E84-426E-40DD-AFC4-6F175D3DCCD1}">
-              <a14:hiddenFill xmlns="" xmlns:a14="http://schemas.microsoft.com/office/drawing/2010/main">
+              <a14:hiddenFill xmlns:a14="http://schemas.microsoft.com/office/drawing/2010/main">
                 <a:solidFill>
                   <a:schemeClr val="accent1"/>
                 </a:solidFill>
               </a14:hiddenFill>
             </a:ext>
             <a:ext uri="{91240B29-F687-4F45-9708-019B960494DF}">
-              <a14:hiddenLine xmlns="" xmlns:a14="http://schemas.microsoft.com/office/drawing/2010/main" w="9525">
+              <a14:hiddenLine xmlns:a14="http://schemas.microsoft.com/office/drawing/2010/main" w="9525">
                 <a:solidFill>
                   <a:schemeClr val="tx1"/>
                 </a:solidFill>
@@ -5685,7 +5687,7 @@
     </p:spTree>
     <p:extLst>
       <p:ext uri="{BB962C8B-B14F-4D97-AF65-F5344CB8AC3E}">
-        <p14:creationId xmlns="" xmlns:p14="http://schemas.microsoft.com/office/powerpoint/2010/main" val="146725359"/>
+        <p14:creationId xmlns:p14="http://schemas.microsoft.com/office/powerpoint/2010/main" val="146725359"/>
       </p:ext>
     </p:extLst>
   </p:cSld>
@@ -5775,7 +5777,7 @@
           <a:blip r:embed="rId2">
             <a:extLst>
               <a:ext uri="{28A0092B-C50C-407E-A947-70E740481C1C}">
-                <a14:useLocalDpi xmlns="" xmlns:a14="http://schemas.microsoft.com/office/drawing/2010/main" val="0"/>
+                <a14:useLocalDpi xmlns:a14="http://schemas.microsoft.com/office/drawing/2010/main" val="0"/>
               </a:ext>
             </a:extLst>
           </a:blip>
@@ -5804,14 +5806,14 @@
           <a:effectLst/>
           <a:extLst>
             <a:ext uri="{909E8E84-426E-40DD-AFC4-6F175D3DCCD1}">
-              <a14:hiddenFill xmlns="" xmlns:a14="http://schemas.microsoft.com/office/drawing/2010/main">
+              <a14:hiddenFill xmlns:a14="http://schemas.microsoft.com/office/drawing/2010/main">
                 <a:solidFill>
                   <a:schemeClr val="accent1"/>
                 </a:solidFill>
               </a14:hiddenFill>
             </a:ext>
             <a:ext uri="{AF507438-7753-43E0-B8FC-AC1667EBCBE1}">
-              <a14:hiddenEffects xmlns="" xmlns:a14="http://schemas.microsoft.com/office/drawing/2010/main">
+              <a14:hiddenEffects xmlns:a14="http://schemas.microsoft.com/office/drawing/2010/main">
                 <a:effectLst>
                   <a:outerShdw dist="35921" dir="2700000" algn="ctr" rotWithShape="0">
                     <a:schemeClr val="bg2"/>
@@ -5825,7 +5827,7 @@
     </p:spTree>
     <p:extLst>
       <p:ext uri="{BB962C8B-B14F-4D97-AF65-F5344CB8AC3E}">
-        <p14:creationId xmlns="" xmlns:p14="http://schemas.microsoft.com/office/powerpoint/2010/main" val="860290536"/>
+        <p14:creationId xmlns:p14="http://schemas.microsoft.com/office/powerpoint/2010/main" val="860290536"/>
       </p:ext>
     </p:extLst>
   </p:cSld>
@@ -5913,7 +5915,7 @@
           <a:blip r:embed="rId2">
             <a:extLst>
               <a:ext uri="{28A0092B-C50C-407E-A947-70E740481C1C}">
-                <a14:useLocalDpi xmlns="" xmlns:a14="http://schemas.microsoft.com/office/drawing/2010/main" val="0"/>
+                <a14:useLocalDpi xmlns:a14="http://schemas.microsoft.com/office/drawing/2010/main" val="0"/>
               </a:ext>
             </a:extLst>
           </a:blip>
@@ -5936,14 +5938,14 @@
           </a:ln>
           <a:extLst>
             <a:ext uri="{909E8E84-426E-40DD-AFC4-6F175D3DCCD1}">
-              <a14:hiddenFill xmlns="" xmlns:a14="http://schemas.microsoft.com/office/drawing/2010/main">
+              <a14:hiddenFill xmlns:a14="http://schemas.microsoft.com/office/drawing/2010/main">
                 <a:solidFill>
                   <a:schemeClr val="accent1"/>
                 </a:solidFill>
               </a14:hiddenFill>
             </a:ext>
             <a:ext uri="{91240B29-F687-4F45-9708-019B960494DF}">
-              <a14:hiddenLine xmlns="" xmlns:a14="http://schemas.microsoft.com/office/drawing/2010/main" w="9525">
+              <a14:hiddenLine xmlns:a14="http://schemas.microsoft.com/office/drawing/2010/main" w="9525">
                 <a:solidFill>
                   <a:schemeClr val="tx1"/>
                 </a:solidFill>
@@ -5958,7 +5960,7 @@
     </p:spTree>
     <p:extLst>
       <p:ext uri="{BB962C8B-B14F-4D97-AF65-F5344CB8AC3E}">
-        <p14:creationId xmlns="" xmlns:p14="http://schemas.microsoft.com/office/powerpoint/2010/main" val="3511341395"/>
+        <p14:creationId xmlns:p14="http://schemas.microsoft.com/office/powerpoint/2010/main" val="3511341395"/>
       </p:ext>
     </p:extLst>
   </p:cSld>
@@ -6015,6 +6017,25 @@
           </a:p>
         </p:txBody>
       </p:sp>
+      <p:sp>
+        <p:nvSpPr>
+          <p:cNvPr id="3" name="Content Placeholder 2"/>
+          <p:cNvSpPr>
+            <a:spLocks noGrp="1"/>
+          </p:cNvSpPr>
+          <p:nvPr>
+            <p:ph idx="1"/>
+          </p:nvPr>
+        </p:nvSpPr>
+        <p:spPr/>
+        <p:txBody>
+          <a:bodyPr/>
+          <a:lstStyle/>
+          <a:p>
+            <a:endParaRPr lang="en-US" dirty="0"/>
+          </a:p>
+        </p:txBody>
+      </p:sp>
       <p:pic>
         <p:nvPicPr>
           <p:cNvPr id="8194" name="Picture 2"/>
@@ -6027,7 +6048,7 @@
           <a:blip r:embed="rId2">
             <a:extLst>
               <a:ext uri="{28A0092B-C50C-407E-A947-70E740481C1C}">
-                <a14:useLocalDpi xmlns="" xmlns:a14="http://schemas.microsoft.com/office/drawing/2010/main" val="0"/>
+                <a14:useLocalDpi xmlns:a14="http://schemas.microsoft.com/office/drawing/2010/main" val="0"/>
               </a:ext>
             </a:extLst>
           </a:blip>
@@ -6038,7 +6059,7 @@
         </p:blipFill>
         <p:spPr bwMode="auto">
           <a:xfrm>
-            <a:off x="571472" y="1785926"/>
+            <a:off x="609600" y="1905000"/>
             <a:ext cx="7467600" cy="4038600"/>
           </a:xfrm>
           <a:prstGeom prst="rect">
@@ -6050,14 +6071,14 @@
           </a:ln>
           <a:extLst>
             <a:ext uri="{909E8E84-426E-40DD-AFC4-6F175D3DCCD1}">
-              <a14:hiddenFill xmlns="" xmlns:a14="http://schemas.microsoft.com/office/drawing/2010/main">
+              <a14:hiddenFill xmlns:a14="http://schemas.microsoft.com/office/drawing/2010/main">
                 <a:solidFill>
                   <a:schemeClr val="accent1"/>
                 </a:solidFill>
               </a14:hiddenFill>
             </a:ext>
             <a:ext uri="{91240B29-F687-4F45-9708-019B960494DF}">
-              <a14:hiddenLine xmlns="" xmlns:a14="http://schemas.microsoft.com/office/drawing/2010/main" w="9525">
+              <a14:hiddenLine xmlns:a14="http://schemas.microsoft.com/office/drawing/2010/main" w="9525">
                 <a:solidFill>
                   <a:schemeClr val="tx1"/>
                 </a:solidFill>
@@ -6072,7 +6093,7 @@
     </p:spTree>
     <p:extLst>
       <p:ext uri="{BB962C8B-B14F-4D97-AF65-F5344CB8AC3E}">
-        <p14:creationId xmlns="" xmlns:p14="http://schemas.microsoft.com/office/powerpoint/2010/main" val="941518929"/>
+        <p14:creationId xmlns:p14="http://schemas.microsoft.com/office/powerpoint/2010/main" val="941518929"/>
       </p:ext>
     </p:extLst>
   </p:cSld>
@@ -6180,7 +6201,7 @@
           <a:blip r:embed="rId2">
             <a:extLst>
               <a:ext uri="{28A0092B-C50C-407E-A947-70E740481C1C}">
-                <a14:useLocalDpi xmlns="" xmlns:a14="http://schemas.microsoft.com/office/drawing/2010/main" val="0"/>
+                <a14:useLocalDpi xmlns:a14="http://schemas.microsoft.com/office/drawing/2010/main" val="0"/>
               </a:ext>
             </a:extLst>
           </a:blip>
@@ -6209,14 +6230,14 @@
           <a:effectLst/>
           <a:extLst>
             <a:ext uri="{909E8E84-426E-40DD-AFC4-6F175D3DCCD1}">
-              <a14:hiddenFill xmlns="" xmlns:a14="http://schemas.microsoft.com/office/drawing/2010/main">
+              <a14:hiddenFill xmlns:a14="http://schemas.microsoft.com/office/drawing/2010/main">
                 <a:solidFill>
                   <a:schemeClr val="accent1"/>
                 </a:solidFill>
               </a14:hiddenFill>
             </a:ext>
             <a:ext uri="{AF507438-7753-43E0-B8FC-AC1667EBCBE1}">
-              <a14:hiddenEffects xmlns="" xmlns:a14="http://schemas.microsoft.com/office/drawing/2010/main">
+              <a14:hiddenEffects xmlns:a14="http://schemas.microsoft.com/office/drawing/2010/main">
                 <a:effectLst>
                   <a:outerShdw dist="35921" dir="2700000" algn="ctr" rotWithShape="0">
                     <a:schemeClr val="bg2"/>
@@ -6230,7 +6251,7 @@
     </p:spTree>
     <p:extLst>
       <p:ext uri="{BB962C8B-B14F-4D97-AF65-F5344CB8AC3E}">
-        <p14:creationId xmlns="" xmlns:p14="http://schemas.microsoft.com/office/powerpoint/2010/main" val="2880647377"/>
+        <p14:creationId xmlns:p14="http://schemas.microsoft.com/office/powerpoint/2010/main" val="2880647377"/>
       </p:ext>
     </p:extLst>
   </p:cSld>
@@ -6353,7 +6374,7 @@
     </p:spTree>
     <p:extLst>
       <p:ext uri="{BB962C8B-B14F-4D97-AF65-F5344CB8AC3E}">
-        <p14:creationId xmlns="" xmlns:p14="http://schemas.microsoft.com/office/powerpoint/2010/main" val="3776359631"/>
+        <p14:creationId xmlns:p14="http://schemas.microsoft.com/office/powerpoint/2010/main" val="3776359631"/>
       </p:ext>
     </p:extLst>
   </p:cSld>
@@ -6769,7 +6790,7 @@
     </p:spTree>
     <p:extLst>
       <p:ext uri="{BB962C8B-B14F-4D97-AF65-F5344CB8AC3E}">
-        <p14:creationId xmlns="" xmlns:p14="http://schemas.microsoft.com/office/powerpoint/2010/main" val="1525822817"/>
+        <p14:creationId xmlns:p14="http://schemas.microsoft.com/office/powerpoint/2010/main" val="1525822817"/>
       </p:ext>
     </p:extLst>
   </p:cSld>
@@ -6933,7 +6954,7 @@
     </p:spTree>
     <p:extLst>
       <p:ext uri="{BB962C8B-B14F-4D97-AF65-F5344CB8AC3E}">
-        <p14:creationId xmlns="" xmlns:p14="http://schemas.microsoft.com/office/powerpoint/2010/main" val="1758871313"/>
+        <p14:creationId xmlns:p14="http://schemas.microsoft.com/office/powerpoint/2010/main" val="1758871313"/>
       </p:ext>
     </p:extLst>
   </p:cSld>
@@ -7053,7 +7074,7 @@
           <a:blip r:embed="rId3">
             <a:extLst>
               <a:ext uri="{28A0092B-C50C-407E-A947-70E740481C1C}">
-                <a14:useLocalDpi xmlns="" xmlns:a14="http://schemas.microsoft.com/office/drawing/2010/main" val="0"/>
+                <a14:useLocalDpi xmlns:a14="http://schemas.microsoft.com/office/drawing/2010/main" val="0"/>
               </a:ext>
             </a:extLst>
           </a:blip>
@@ -7076,14 +7097,14 @@
           </a:ln>
           <a:extLst>
             <a:ext uri="{909E8E84-426E-40DD-AFC4-6F175D3DCCD1}">
-              <a14:hiddenFill xmlns="" xmlns:a14="http://schemas.microsoft.com/office/drawing/2010/main">
+              <a14:hiddenFill xmlns:a14="http://schemas.microsoft.com/office/drawing/2010/main">
                 <a:solidFill>
                   <a:schemeClr val="accent1"/>
                 </a:solidFill>
               </a14:hiddenFill>
             </a:ext>
             <a:ext uri="{91240B29-F687-4F45-9708-019B960494DF}">
-              <a14:hiddenLine xmlns="" xmlns:a14="http://schemas.microsoft.com/office/drawing/2010/main" w="9525">
+              <a14:hiddenLine xmlns:a14="http://schemas.microsoft.com/office/drawing/2010/main" w="9525">
                 <a:solidFill>
                   <a:schemeClr val="tx1"/>
                 </a:solidFill>
@@ -7128,7 +7149,7 @@
     </p:spTree>
     <p:extLst>
       <p:ext uri="{BB962C8B-B14F-4D97-AF65-F5344CB8AC3E}">
-        <p14:creationId xmlns="" xmlns:p14="http://schemas.microsoft.com/office/powerpoint/2010/main" val="2741366930"/>
+        <p14:creationId xmlns:p14="http://schemas.microsoft.com/office/powerpoint/2010/main" val="2741366930"/>
       </p:ext>
     </p:extLst>
   </p:cSld>
@@ -7295,7 +7316,7 @@
           <a:blip r:embed="rId2">
             <a:extLst>
               <a:ext uri="{28A0092B-C50C-407E-A947-70E740481C1C}">
-                <a14:useLocalDpi xmlns="" xmlns:a14="http://schemas.microsoft.com/office/drawing/2010/main" val="0"/>
+                <a14:useLocalDpi xmlns:a14="http://schemas.microsoft.com/office/drawing/2010/main" val="0"/>
               </a:ext>
             </a:extLst>
           </a:blip>
@@ -7318,14 +7339,14 @@
           </a:ln>
           <a:extLst>
             <a:ext uri="{909E8E84-426E-40DD-AFC4-6F175D3DCCD1}">
-              <a14:hiddenFill xmlns="" xmlns:a14="http://schemas.microsoft.com/office/drawing/2010/main">
+              <a14:hiddenFill xmlns:a14="http://schemas.microsoft.com/office/drawing/2010/main">
                 <a:solidFill>
                   <a:schemeClr val="accent1"/>
                 </a:solidFill>
               </a14:hiddenFill>
             </a:ext>
             <a:ext uri="{91240B29-F687-4F45-9708-019B960494DF}">
-              <a14:hiddenLine xmlns="" xmlns:a14="http://schemas.microsoft.com/office/drawing/2010/main" w="9525">
+              <a14:hiddenLine xmlns:a14="http://schemas.microsoft.com/office/drawing/2010/main" w="9525">
                 <a:solidFill>
                   <a:schemeClr val="tx1"/>
                 </a:solidFill>
@@ -7340,7 +7361,7 @@
     </p:spTree>
     <p:extLst>
       <p:ext uri="{BB962C8B-B14F-4D97-AF65-F5344CB8AC3E}">
-        <p14:creationId xmlns="" xmlns:p14="http://schemas.microsoft.com/office/powerpoint/2010/main" val="4260209790"/>
+        <p14:creationId xmlns:p14="http://schemas.microsoft.com/office/powerpoint/2010/main" val="4260209790"/>
       </p:ext>
     </p:extLst>
   </p:cSld>
@@ -7452,7 +7473,7 @@
     </p:spTree>
     <p:extLst>
       <p:ext uri="{BB962C8B-B14F-4D97-AF65-F5344CB8AC3E}">
-        <p14:creationId xmlns="" xmlns:p14="http://schemas.microsoft.com/office/powerpoint/2010/main" val="3976565408"/>
+        <p14:creationId xmlns:p14="http://schemas.microsoft.com/office/powerpoint/2010/main" val="3976565408"/>
       </p:ext>
     </p:extLst>
   </p:cSld>
@@ -7753,7 +7774,7 @@
     </p:spTree>
     <p:extLst>
       <p:ext uri="{BB962C8B-B14F-4D97-AF65-F5344CB8AC3E}">
-        <p14:creationId xmlns="" xmlns:p14="http://schemas.microsoft.com/office/powerpoint/2010/main" val="1851135718"/>
+        <p14:creationId xmlns:p14="http://schemas.microsoft.com/office/powerpoint/2010/main" val="1851135718"/>
       </p:ext>
     </p:extLst>
   </p:cSld>
@@ -7805,7 +7826,7 @@
             <a:fld id="{16982CF4-AA75-4CFF-A610-6440A3145E84}" type="datetime1">
               <a:rPr lang="en-US"/>
               <a:pPr/>
-              <a:t>9/8/2019</a:t>
+              <a:t>8/18/2017</a:t>
             </a:fld>
             <a:endParaRPr lang="en-US"/>
           </a:p>
@@ -7911,7 +7932,7 @@
           <a:blip r:embed="rId3">
             <a:extLst>
               <a:ext uri="{28A0092B-C50C-407E-A947-70E740481C1C}">
-                <a14:useLocalDpi xmlns="" xmlns:a14="http://schemas.microsoft.com/office/drawing/2010/main" val="0"/>
+                <a14:useLocalDpi xmlns:a14="http://schemas.microsoft.com/office/drawing/2010/main" val="0"/>
               </a:ext>
             </a:extLst>
           </a:blip>
@@ -7931,7 +7952,7 @@
           <a:noFill/>
           <a:extLst>
             <a:ext uri="{909E8E84-426E-40DD-AFC4-6F175D3DCCD1}">
-              <a14:hiddenFill xmlns="" xmlns:a14="http://schemas.microsoft.com/office/drawing/2010/main">
+              <a14:hiddenFill xmlns:a14="http://schemas.microsoft.com/office/drawing/2010/main">
                 <a:solidFill>
                   <a:srgbClr val="FFFFFF"/>
                 </a:solidFill>
@@ -7943,7 +7964,7 @@
     </p:spTree>
     <p:extLst>
       <p:ext uri="{BB962C8B-B14F-4D97-AF65-F5344CB8AC3E}">
-        <p14:creationId xmlns="" xmlns:p14="http://schemas.microsoft.com/office/powerpoint/2010/main" val="30843373"/>
+        <p14:creationId xmlns:p14="http://schemas.microsoft.com/office/powerpoint/2010/main" val="30843373"/>
       </p:ext>
     </p:extLst>
   </p:cSld>
@@ -8014,7 +8035,7 @@
           <a:blip r:embed="rId2">
             <a:extLst>
               <a:ext uri="{28A0092B-C50C-407E-A947-70E740481C1C}">
-                <a14:useLocalDpi xmlns="" xmlns:a14="http://schemas.microsoft.com/office/drawing/2010/main" val="0"/>
+                <a14:useLocalDpi xmlns:a14="http://schemas.microsoft.com/office/drawing/2010/main" val="0"/>
               </a:ext>
             </a:extLst>
           </a:blip>
@@ -8038,14 +8059,14 @@
           <a:effectLst/>
           <a:extLst>
             <a:ext uri="{909E8E84-426E-40DD-AFC4-6F175D3DCCD1}">
-              <a14:hiddenFill xmlns="" xmlns:a14="http://schemas.microsoft.com/office/drawing/2010/main">
+              <a14:hiddenFill xmlns:a14="http://schemas.microsoft.com/office/drawing/2010/main">
                 <a:solidFill>
                   <a:schemeClr val="accent1"/>
                 </a:solidFill>
               </a14:hiddenFill>
             </a:ext>
             <a:ext uri="{91240B29-F687-4F45-9708-019B960494DF}">
-              <a14:hiddenLine xmlns="" xmlns:a14="http://schemas.microsoft.com/office/drawing/2010/main" w="9525" cap="flat" cmpd="sng">
+              <a14:hiddenLine xmlns:a14="http://schemas.microsoft.com/office/drawing/2010/main" w="9525" cap="flat" cmpd="sng">
                 <a:solidFill>
                   <a:schemeClr val="tx1"/>
                 </a:solidFill>
@@ -8056,7 +8077,7 @@
               </a14:hiddenLine>
             </a:ext>
             <a:ext uri="{AF507438-7753-43E0-B8FC-AC1667EBCBE1}">
-              <a14:hiddenEffects xmlns="" xmlns:a14="http://schemas.microsoft.com/office/drawing/2010/main">
+              <a14:hiddenEffects xmlns:a14="http://schemas.microsoft.com/office/drawing/2010/main">
                 <a:effectLst>
                   <a:outerShdw dist="35921" dir="2700000" algn="ctr" rotWithShape="0">
                     <a:schemeClr val="bg2"/>
@@ -8070,7 +8091,7 @@
     </p:spTree>
     <p:extLst>
       <p:ext uri="{BB962C8B-B14F-4D97-AF65-F5344CB8AC3E}">
-        <p14:creationId xmlns="" xmlns:p14="http://schemas.microsoft.com/office/powerpoint/2010/main" val="4123922176"/>
+        <p14:creationId xmlns:p14="http://schemas.microsoft.com/office/powerpoint/2010/main" val="4123922176"/>
       </p:ext>
     </p:extLst>
   </p:cSld>
@@ -8196,7 +8217,7 @@
           <a:blip r:embed="rId2">
             <a:extLst>
               <a:ext uri="{28A0092B-C50C-407E-A947-70E740481C1C}">
-                <a14:useLocalDpi xmlns="" xmlns:a14="http://schemas.microsoft.com/office/drawing/2010/main" val="0"/>
+                <a14:useLocalDpi xmlns:a14="http://schemas.microsoft.com/office/drawing/2010/main" val="0"/>
               </a:ext>
             </a:extLst>
           </a:blip>
@@ -8225,14 +8246,14 @@
           <a:effectLst/>
           <a:extLst>
             <a:ext uri="{909E8E84-426E-40DD-AFC4-6F175D3DCCD1}">
-              <a14:hiddenFill xmlns="" xmlns:a14="http://schemas.microsoft.com/office/drawing/2010/main">
+              <a14:hiddenFill xmlns:a14="http://schemas.microsoft.com/office/drawing/2010/main">
                 <a:solidFill>
                   <a:schemeClr val="accent1"/>
                 </a:solidFill>
               </a14:hiddenFill>
             </a:ext>
             <a:ext uri="{AF507438-7753-43E0-B8FC-AC1667EBCBE1}">
-              <a14:hiddenEffects xmlns="" xmlns:a14="http://schemas.microsoft.com/office/drawing/2010/main">
+              <a14:hiddenEffects xmlns:a14="http://schemas.microsoft.com/office/drawing/2010/main">
                 <a:effectLst>
                   <a:outerShdw dist="35921" dir="2700000" algn="ctr" rotWithShape="0">
                     <a:schemeClr val="bg2"/>
@@ -8246,7 +8267,7 @@
     </p:spTree>
     <p:extLst>
       <p:ext uri="{BB962C8B-B14F-4D97-AF65-F5344CB8AC3E}">
-        <p14:creationId xmlns="" xmlns:p14="http://schemas.microsoft.com/office/powerpoint/2010/main" val="742808814"/>
+        <p14:creationId xmlns:p14="http://schemas.microsoft.com/office/powerpoint/2010/main" val="742808814"/>
       </p:ext>
     </p:extLst>
   </p:cSld>
@@ -8292,7 +8313,7 @@
           <a:blip r:embed="rId2">
             <a:extLst>
               <a:ext uri="{28A0092B-C50C-407E-A947-70E740481C1C}">
-                <a14:useLocalDpi xmlns="" xmlns:a14="http://schemas.microsoft.com/office/drawing/2010/main" val="0"/>
+                <a14:useLocalDpi xmlns:a14="http://schemas.microsoft.com/office/drawing/2010/main" val="0"/>
               </a:ext>
             </a:extLst>
           </a:blip>
@@ -8315,14 +8336,14 @@
           </a:ln>
           <a:extLst>
             <a:ext uri="{909E8E84-426E-40DD-AFC4-6F175D3DCCD1}">
-              <a14:hiddenFill xmlns="" xmlns:a14="http://schemas.microsoft.com/office/drawing/2010/main">
+              <a14:hiddenFill xmlns:a14="http://schemas.microsoft.com/office/drawing/2010/main">
                 <a:solidFill>
                   <a:schemeClr val="accent1"/>
                 </a:solidFill>
               </a14:hiddenFill>
             </a:ext>
             <a:ext uri="{91240B29-F687-4F45-9708-019B960494DF}">
-              <a14:hiddenLine xmlns="" xmlns:a14="http://schemas.microsoft.com/office/drawing/2010/main" w="9525">
+              <a14:hiddenLine xmlns:a14="http://schemas.microsoft.com/office/drawing/2010/main" w="9525">
                 <a:solidFill>
                   <a:schemeClr val="tx1"/>
                 </a:solidFill>
@@ -8337,7 +8358,7 @@
     </p:spTree>
     <p:extLst>
       <p:ext uri="{BB962C8B-B14F-4D97-AF65-F5344CB8AC3E}">
-        <p14:creationId xmlns="" xmlns:p14="http://schemas.microsoft.com/office/powerpoint/2010/main" val="2747506847"/>
+        <p14:creationId xmlns:p14="http://schemas.microsoft.com/office/powerpoint/2010/main" val="2747506847"/>
       </p:ext>
     </p:extLst>
   </p:cSld>
@@ -8427,7 +8448,7 @@
           <a:blip r:embed="rId2">
             <a:extLst>
               <a:ext uri="{28A0092B-C50C-407E-A947-70E740481C1C}">
-                <a14:useLocalDpi xmlns="" xmlns:a14="http://schemas.microsoft.com/office/drawing/2010/main" val="0"/>
+                <a14:useLocalDpi xmlns:a14="http://schemas.microsoft.com/office/drawing/2010/main" val="0"/>
               </a:ext>
             </a:extLst>
           </a:blip>
@@ -8450,14 +8471,14 @@
           </a:ln>
           <a:extLst>
             <a:ext uri="{909E8E84-426E-40DD-AFC4-6F175D3DCCD1}">
-              <a14:hiddenFill xmlns="" xmlns:a14="http://schemas.microsoft.com/office/drawing/2010/main">
+              <a14:hiddenFill xmlns:a14="http://schemas.microsoft.com/office/drawing/2010/main">
                 <a:solidFill>
                   <a:schemeClr val="accent1"/>
                 </a:solidFill>
               </a14:hiddenFill>
             </a:ext>
             <a:ext uri="{91240B29-F687-4F45-9708-019B960494DF}">
-              <a14:hiddenLine xmlns="" xmlns:a14="http://schemas.microsoft.com/office/drawing/2010/main" w="9525">
+              <a14:hiddenLine xmlns:a14="http://schemas.microsoft.com/office/drawing/2010/main" w="9525">
                 <a:solidFill>
                   <a:schemeClr val="tx1"/>
                 </a:solidFill>
@@ -8472,7 +8493,7 @@
     </p:spTree>
     <p:extLst>
       <p:ext uri="{BB962C8B-B14F-4D97-AF65-F5344CB8AC3E}">
-        <p14:creationId xmlns="" xmlns:p14="http://schemas.microsoft.com/office/powerpoint/2010/main" val="1282450204"/>
+        <p14:creationId xmlns:p14="http://schemas.microsoft.com/office/powerpoint/2010/main" val="1282450204"/>
       </p:ext>
     </p:extLst>
   </p:cSld>
@@ -8712,7 +8733,7 @@
     </p:spTree>
     <p:extLst>
       <p:ext uri="{BB962C8B-B14F-4D97-AF65-F5344CB8AC3E}">
-        <p14:creationId xmlns="" xmlns:p14="http://schemas.microsoft.com/office/powerpoint/2010/main" val="932905073"/>
+        <p14:creationId xmlns:p14="http://schemas.microsoft.com/office/powerpoint/2010/main" val="932905073"/>
       </p:ext>
     </p:extLst>
   </p:cSld>
@@ -8873,7 +8894,7 @@
     </p:spTree>
     <p:extLst>
       <p:ext uri="{BB962C8B-B14F-4D97-AF65-F5344CB8AC3E}">
-        <p14:creationId xmlns="" xmlns:p14="http://schemas.microsoft.com/office/powerpoint/2010/main" val="2583046159"/>
+        <p14:creationId xmlns:p14="http://schemas.microsoft.com/office/powerpoint/2010/main" val="2583046159"/>
       </p:ext>
     </p:extLst>
   </p:cSld>
@@ -9073,7 +9094,7 @@
     </p:spTree>
     <p:extLst>
       <p:ext uri="{BB962C8B-B14F-4D97-AF65-F5344CB8AC3E}">
-        <p14:creationId xmlns="" xmlns:p14="http://schemas.microsoft.com/office/powerpoint/2010/main" val="2330865971"/>
+        <p14:creationId xmlns:p14="http://schemas.microsoft.com/office/powerpoint/2010/main" val="2330865971"/>
       </p:ext>
     </p:extLst>
   </p:cSld>
@@ -9363,7 +9384,7 @@
     </p:spTree>
     <p:extLst>
       <p:ext uri="{BB962C8B-B14F-4D97-AF65-F5344CB8AC3E}">
-        <p14:creationId xmlns="" xmlns:p14="http://schemas.microsoft.com/office/powerpoint/2010/main" val="2160318248"/>
+        <p14:creationId xmlns:p14="http://schemas.microsoft.com/office/powerpoint/2010/main" val="2160318248"/>
       </p:ext>
     </p:extLst>
   </p:cSld>
@@ -9510,7 +9531,7 @@
     </p:spTree>
     <p:extLst>
       <p:ext uri="{BB962C8B-B14F-4D97-AF65-F5344CB8AC3E}">
-        <p14:creationId xmlns="" xmlns:p14="http://schemas.microsoft.com/office/powerpoint/2010/main" val="1341363061"/>
+        <p14:creationId xmlns:p14="http://schemas.microsoft.com/office/powerpoint/2010/main" val="1341363061"/>
       </p:ext>
     </p:extLst>
   </p:cSld>
@@ -9639,7 +9660,7 @@
     </p:spTree>
     <p:extLst>
       <p:ext uri="{BB962C8B-B14F-4D97-AF65-F5344CB8AC3E}">
-        <p14:creationId xmlns="" xmlns:p14="http://schemas.microsoft.com/office/powerpoint/2010/main" val="4018883307"/>
+        <p14:creationId xmlns:p14="http://schemas.microsoft.com/office/powerpoint/2010/main" val="4018883307"/>
       </p:ext>
     </p:extLst>
   </p:cSld>
@@ -9858,7 +9879,7 @@
     </p:spTree>
     <p:extLst>
       <p:ext uri="{BB962C8B-B14F-4D97-AF65-F5344CB8AC3E}">
-        <p14:creationId xmlns="" xmlns:p14="http://schemas.microsoft.com/office/powerpoint/2010/main" val="2590857437"/>
+        <p14:creationId xmlns:p14="http://schemas.microsoft.com/office/powerpoint/2010/main" val="2590857437"/>
       </p:ext>
     </p:extLst>
   </p:cSld>
@@ -9988,7 +10009,7 @@
     </p:spTree>
     <p:extLst>
       <p:ext uri="{BB962C8B-B14F-4D97-AF65-F5344CB8AC3E}">
-        <p14:creationId xmlns="" xmlns:p14="http://schemas.microsoft.com/office/powerpoint/2010/main" val="2301853514"/>
+        <p14:creationId xmlns:p14="http://schemas.microsoft.com/office/powerpoint/2010/main" val="2301853514"/>
       </p:ext>
     </p:extLst>
   </p:cSld>
@@ -10056,7 +10077,7 @@
           <a:blip r:embed="rId2">
             <a:extLst>
               <a:ext uri="{28A0092B-C50C-407E-A947-70E740481C1C}">
-                <a14:useLocalDpi xmlns="" xmlns:a14="http://schemas.microsoft.com/office/drawing/2010/main" val="0"/>
+                <a14:useLocalDpi xmlns:a14="http://schemas.microsoft.com/office/drawing/2010/main" val="0"/>
               </a:ext>
             </a:extLst>
           </a:blip>
@@ -10085,14 +10106,14 @@
           <a:effectLst/>
           <a:extLst>
             <a:ext uri="{909E8E84-426E-40DD-AFC4-6F175D3DCCD1}">
-              <a14:hiddenFill xmlns="" xmlns:a14="http://schemas.microsoft.com/office/drawing/2010/main">
+              <a14:hiddenFill xmlns:a14="http://schemas.microsoft.com/office/drawing/2010/main">
                 <a:solidFill>
                   <a:schemeClr val="accent1"/>
                 </a:solidFill>
               </a14:hiddenFill>
             </a:ext>
             <a:ext uri="{AF507438-7753-43E0-B8FC-AC1667EBCBE1}">
-              <a14:hiddenEffects xmlns="" xmlns:a14="http://schemas.microsoft.com/office/drawing/2010/main">
+              <a14:hiddenEffects xmlns:a14="http://schemas.microsoft.com/office/drawing/2010/main">
                 <a:effectLst>
                   <a:outerShdw dist="35921" dir="2700000" algn="ctr" rotWithShape="0">
                     <a:schemeClr val="bg2"/>
@@ -10125,14 +10146,14 @@
           </a:ln>
           <a:extLst>
             <a:ext uri="{909E8E84-426E-40DD-AFC4-6F175D3DCCD1}">
-              <a14:hiddenFill xmlns="" xmlns:a14="http://schemas.microsoft.com/office/drawing/2010/main">
+              <a14:hiddenFill xmlns:a14="http://schemas.microsoft.com/office/drawing/2010/main">
                 <a:solidFill>
                   <a:schemeClr val="accent1"/>
                 </a:solidFill>
               </a14:hiddenFill>
             </a:ext>
             <a:ext uri="{91240B29-F687-4F45-9708-019B960494DF}">
-              <a14:hiddenLine xmlns="" xmlns:a14="http://schemas.microsoft.com/office/drawing/2010/main" w="9525">
+              <a14:hiddenLine xmlns:a14="http://schemas.microsoft.com/office/drawing/2010/main" w="9525">
                 <a:solidFill>
                   <a:schemeClr val="tx1"/>
                 </a:solidFill>
@@ -10271,7 +10292,7 @@
     </p:spTree>
     <p:extLst>
       <p:ext uri="{BB962C8B-B14F-4D97-AF65-F5344CB8AC3E}">
-        <p14:creationId xmlns="" xmlns:p14="http://schemas.microsoft.com/office/powerpoint/2010/main" val="557871879"/>
+        <p14:creationId xmlns:p14="http://schemas.microsoft.com/office/powerpoint/2010/main" val="557871879"/>
       </p:ext>
     </p:extLst>
   </p:cSld>
@@ -10416,7 +10437,7 @@
     </p:spTree>
     <p:extLst>
       <p:ext uri="{BB962C8B-B14F-4D97-AF65-F5344CB8AC3E}">
-        <p14:creationId xmlns="" xmlns:p14="http://schemas.microsoft.com/office/powerpoint/2010/main" val="1929402083"/>
+        <p14:creationId xmlns:p14="http://schemas.microsoft.com/office/powerpoint/2010/main" val="1929402083"/>
       </p:ext>
     </p:extLst>
   </p:cSld>
@@ -10517,7 +10538,7 @@
     </p:spTree>
     <p:extLst>
       <p:ext uri="{BB962C8B-B14F-4D97-AF65-F5344CB8AC3E}">
-        <p14:creationId xmlns="" xmlns:p14="http://schemas.microsoft.com/office/powerpoint/2010/main" val="1417828258"/>
+        <p14:creationId xmlns:p14="http://schemas.microsoft.com/office/powerpoint/2010/main" val="1417828258"/>
       </p:ext>
     </p:extLst>
   </p:cSld>
@@ -10698,7 +10719,7 @@
     </p:spTree>
     <p:extLst>
       <p:ext uri="{BB962C8B-B14F-4D97-AF65-F5344CB8AC3E}">
-        <p14:creationId xmlns="" xmlns:p14="http://schemas.microsoft.com/office/powerpoint/2010/main" val="842728662"/>
+        <p14:creationId xmlns:p14="http://schemas.microsoft.com/office/powerpoint/2010/main" val="842728662"/>
       </p:ext>
     </p:extLst>
   </p:cSld>
@@ -10846,7 +10867,7 @@
     </p:spTree>
     <p:extLst>
       <p:ext uri="{BB962C8B-B14F-4D97-AF65-F5344CB8AC3E}">
-        <p14:creationId xmlns="" xmlns:p14="http://schemas.microsoft.com/office/powerpoint/2010/main" val="3336217140"/>
+        <p14:creationId xmlns:p14="http://schemas.microsoft.com/office/powerpoint/2010/main" val="3336217140"/>
       </p:ext>
     </p:extLst>
   </p:cSld>
@@ -10949,7 +10970,7 @@
     </p:spTree>
     <p:extLst>
       <p:ext uri="{BB962C8B-B14F-4D97-AF65-F5344CB8AC3E}">
-        <p14:creationId xmlns="" xmlns:p14="http://schemas.microsoft.com/office/powerpoint/2010/main" val="2605964035"/>
+        <p14:creationId xmlns:p14="http://schemas.microsoft.com/office/powerpoint/2010/main" val="2605964035"/>
       </p:ext>
     </p:extLst>
   </p:cSld>
@@ -11367,7 +11388,7 @@
     </p:spTree>
     <p:extLst>
       <p:ext uri="{BB962C8B-B14F-4D97-AF65-F5344CB8AC3E}">
-        <p14:creationId xmlns="" xmlns:p14="http://schemas.microsoft.com/office/powerpoint/2010/main" val="2635972640"/>
+        <p14:creationId xmlns:p14="http://schemas.microsoft.com/office/powerpoint/2010/main" val="2635972640"/>
       </p:ext>
     </p:extLst>
   </p:cSld>
@@ -11968,7 +11989,7 @@
     </p:spTree>
     <p:extLst>
       <p:ext uri="{BB962C8B-B14F-4D97-AF65-F5344CB8AC3E}">
-        <p14:creationId xmlns="" xmlns:p14="http://schemas.microsoft.com/office/powerpoint/2010/main" val="3732440871"/>
+        <p14:creationId xmlns:p14="http://schemas.microsoft.com/office/powerpoint/2010/main" val="3732440871"/>
       </p:ext>
     </p:extLst>
   </p:cSld>
@@ -12326,7 +12347,7 @@
           <a:blip r:embed="rId3">
             <a:extLst>
               <a:ext uri="{28A0092B-C50C-407E-A947-70E740481C1C}">
-                <a14:useLocalDpi xmlns="" xmlns:a14="http://schemas.microsoft.com/office/drawing/2010/main" val="0"/>
+                <a14:useLocalDpi xmlns:a14="http://schemas.microsoft.com/office/drawing/2010/main" val="0"/>
               </a:ext>
             </a:extLst>
           </a:blip>
@@ -12349,14 +12370,14 @@
           </a:ln>
           <a:extLst>
             <a:ext uri="{909E8E84-426E-40DD-AFC4-6F175D3DCCD1}">
-              <a14:hiddenFill xmlns="" xmlns:a14="http://schemas.microsoft.com/office/drawing/2010/main">
+              <a14:hiddenFill xmlns:a14="http://schemas.microsoft.com/office/drawing/2010/main">
                 <a:solidFill>
                   <a:schemeClr val="accent1"/>
                 </a:solidFill>
               </a14:hiddenFill>
             </a:ext>
             <a:ext uri="{91240B29-F687-4F45-9708-019B960494DF}">
-              <a14:hiddenLine xmlns="" xmlns:a14="http://schemas.microsoft.com/office/drawing/2010/main" w="9525">
+              <a14:hiddenLine xmlns:a14="http://schemas.microsoft.com/office/drawing/2010/main" w="9525">
                 <a:solidFill>
                   <a:schemeClr val="tx1"/>
                 </a:solidFill>
@@ -12380,7 +12401,7 @@
           <a:blip r:embed="rId4">
             <a:extLst>
               <a:ext uri="{28A0092B-C50C-407E-A947-70E740481C1C}">
-                <a14:useLocalDpi xmlns="" xmlns:a14="http://schemas.microsoft.com/office/drawing/2010/main" val="0"/>
+                <a14:useLocalDpi xmlns:a14="http://schemas.microsoft.com/office/drawing/2010/main" val="0"/>
               </a:ext>
             </a:extLst>
           </a:blip>
@@ -12400,7 +12421,7 @@
           <a:noFill/>
           <a:extLst>
             <a:ext uri="{909E8E84-426E-40DD-AFC4-6F175D3DCCD1}">
-              <a14:hiddenFill xmlns="" xmlns:a14="http://schemas.microsoft.com/office/drawing/2010/main">
+              <a14:hiddenFill xmlns:a14="http://schemas.microsoft.com/office/drawing/2010/main">
                 <a:solidFill>
                   <a:srgbClr val="FFFFFF"/>
                 </a:solidFill>
@@ -12412,7 +12433,7 @@
     </p:spTree>
     <p:extLst>
       <p:ext uri="{BB962C8B-B14F-4D97-AF65-F5344CB8AC3E}">
-        <p14:creationId xmlns="" xmlns:p14="http://schemas.microsoft.com/office/powerpoint/2010/main" val="2513500699"/>
+        <p14:creationId xmlns:p14="http://schemas.microsoft.com/office/powerpoint/2010/main" val="2513500699"/>
       </p:ext>
     </p:extLst>
   </p:cSld>
@@ -12557,7 +12578,7 @@
           <a:blip r:embed="rId2">
             <a:extLst>
               <a:ext uri="{28A0092B-C50C-407E-A947-70E740481C1C}">
-                <a14:useLocalDpi xmlns="" xmlns:a14="http://schemas.microsoft.com/office/drawing/2010/main" val="0"/>
+                <a14:useLocalDpi xmlns:a14="http://schemas.microsoft.com/office/drawing/2010/main" val="0"/>
               </a:ext>
             </a:extLst>
           </a:blip>
@@ -12580,14 +12601,14 @@
           </a:ln>
           <a:extLst>
             <a:ext uri="{909E8E84-426E-40DD-AFC4-6F175D3DCCD1}">
-              <a14:hiddenFill xmlns="" xmlns:a14="http://schemas.microsoft.com/office/drawing/2010/main">
+              <a14:hiddenFill xmlns:a14="http://schemas.microsoft.com/office/drawing/2010/main">
                 <a:solidFill>
                   <a:schemeClr val="accent1"/>
                 </a:solidFill>
               </a14:hiddenFill>
             </a:ext>
             <a:ext uri="{91240B29-F687-4F45-9708-019B960494DF}">
-              <a14:hiddenLine xmlns="" xmlns:a14="http://schemas.microsoft.com/office/drawing/2010/main" w="9525">
+              <a14:hiddenLine xmlns:a14="http://schemas.microsoft.com/office/drawing/2010/main" w="9525">
                 <a:solidFill>
                   <a:schemeClr val="tx1"/>
                 </a:solidFill>
@@ -12611,7 +12632,7 @@
           <a:blip r:embed="rId3">
             <a:extLst>
               <a:ext uri="{28A0092B-C50C-407E-A947-70E740481C1C}">
-                <a14:useLocalDpi xmlns="" xmlns:a14="http://schemas.microsoft.com/office/drawing/2010/main" val="0"/>
+                <a14:useLocalDpi xmlns:a14="http://schemas.microsoft.com/office/drawing/2010/main" val="0"/>
               </a:ext>
             </a:extLst>
           </a:blip>
@@ -12631,7 +12652,7 @@
           <a:noFill/>
           <a:extLst>
             <a:ext uri="{909E8E84-426E-40DD-AFC4-6F175D3DCCD1}">
-              <a14:hiddenFill xmlns="" xmlns:a14="http://schemas.microsoft.com/office/drawing/2010/main">
+              <a14:hiddenFill xmlns:a14="http://schemas.microsoft.com/office/drawing/2010/main">
                 <a:solidFill>
                   <a:srgbClr val="FFFFFF"/>
                 </a:solidFill>
@@ -12643,7 +12664,7 @@
     </p:spTree>
     <p:extLst>
       <p:ext uri="{BB962C8B-B14F-4D97-AF65-F5344CB8AC3E}">
-        <p14:creationId xmlns="" xmlns:p14="http://schemas.microsoft.com/office/powerpoint/2010/main" val="226196662"/>
+        <p14:creationId xmlns:p14="http://schemas.microsoft.com/office/powerpoint/2010/main" val="226196662"/>
       </p:ext>
     </p:extLst>
   </p:cSld>
